--- a/DBI_TABLE.pptx
+++ b/DBI_TABLE.pptx
@@ -104,6 +104,11 @@
       </a:defRPr>
     </a:lvl9pPr>
   </p:defaultTextStyle>
+  <p:extLst>
+    <p:ext uri="{EFAFB233-063F-42B5-8137-9DF3F51BA10A}">
+      <p15:sldGuideLst xmlns:p15="http://schemas.microsoft.com/office/powerpoint/2012/main"/>
+    </p:ext>
+  </p:extLst>
 </p:presentation>
 </file>
 
@@ -254,7 +259,7 @@
           <a:p>
             <a:fld id="{CD2C2E71-1E71-4AA1-B2D0-7F1C8199F300}" type="datetimeFigureOut">
               <a:rPr lang="en-US" smtClean="0"/>
-              <a:t>6/19/2022</a:t>
+              <a:t>7/16/2022</a:t>
             </a:fld>
             <a:endParaRPr lang="en-US"/>
           </a:p>
@@ -452,7 +457,7 @@
           <a:p>
             <a:fld id="{CD2C2E71-1E71-4AA1-B2D0-7F1C8199F300}" type="datetimeFigureOut">
               <a:rPr lang="en-US" smtClean="0"/>
-              <a:t>6/19/2022</a:t>
+              <a:t>7/16/2022</a:t>
             </a:fld>
             <a:endParaRPr lang="en-US"/>
           </a:p>
@@ -660,7 +665,7 @@
           <a:p>
             <a:fld id="{CD2C2E71-1E71-4AA1-B2D0-7F1C8199F300}" type="datetimeFigureOut">
               <a:rPr lang="en-US" smtClean="0"/>
-              <a:t>6/19/2022</a:t>
+              <a:t>7/16/2022</a:t>
             </a:fld>
             <a:endParaRPr lang="en-US"/>
           </a:p>
@@ -858,7 +863,7 @@
           <a:p>
             <a:fld id="{CD2C2E71-1E71-4AA1-B2D0-7F1C8199F300}" type="datetimeFigureOut">
               <a:rPr lang="en-US" smtClean="0"/>
-              <a:t>6/19/2022</a:t>
+              <a:t>7/16/2022</a:t>
             </a:fld>
             <a:endParaRPr lang="en-US"/>
           </a:p>
@@ -1133,7 +1138,7 @@
           <a:p>
             <a:fld id="{CD2C2E71-1E71-4AA1-B2D0-7F1C8199F300}" type="datetimeFigureOut">
               <a:rPr lang="en-US" smtClean="0"/>
-              <a:t>6/19/2022</a:t>
+              <a:t>7/16/2022</a:t>
             </a:fld>
             <a:endParaRPr lang="en-US"/>
           </a:p>
@@ -1398,7 +1403,7 @@
           <a:p>
             <a:fld id="{CD2C2E71-1E71-4AA1-B2D0-7F1C8199F300}" type="datetimeFigureOut">
               <a:rPr lang="en-US" smtClean="0"/>
-              <a:t>6/19/2022</a:t>
+              <a:t>7/16/2022</a:t>
             </a:fld>
             <a:endParaRPr lang="en-US"/>
           </a:p>
@@ -1810,7 +1815,7 @@
           <a:p>
             <a:fld id="{CD2C2E71-1E71-4AA1-B2D0-7F1C8199F300}" type="datetimeFigureOut">
               <a:rPr lang="en-US" smtClean="0"/>
-              <a:t>6/19/2022</a:t>
+              <a:t>7/16/2022</a:t>
             </a:fld>
             <a:endParaRPr lang="en-US"/>
           </a:p>
@@ -1951,7 +1956,7 @@
           <a:p>
             <a:fld id="{CD2C2E71-1E71-4AA1-B2D0-7F1C8199F300}" type="datetimeFigureOut">
               <a:rPr lang="en-US" smtClean="0"/>
-              <a:t>6/19/2022</a:t>
+              <a:t>7/16/2022</a:t>
             </a:fld>
             <a:endParaRPr lang="en-US"/>
           </a:p>
@@ -2064,7 +2069,7 @@
           <a:p>
             <a:fld id="{CD2C2E71-1E71-4AA1-B2D0-7F1C8199F300}" type="datetimeFigureOut">
               <a:rPr lang="en-US" smtClean="0"/>
-              <a:t>6/19/2022</a:t>
+              <a:t>7/16/2022</a:t>
             </a:fld>
             <a:endParaRPr lang="en-US"/>
           </a:p>
@@ -2375,7 +2380,7 @@
           <a:p>
             <a:fld id="{CD2C2E71-1E71-4AA1-B2D0-7F1C8199F300}" type="datetimeFigureOut">
               <a:rPr lang="en-US" smtClean="0"/>
-              <a:t>6/19/2022</a:t>
+              <a:t>7/16/2022</a:t>
             </a:fld>
             <a:endParaRPr lang="en-US"/>
           </a:p>
@@ -2663,7 +2668,7 @@
           <a:p>
             <a:fld id="{CD2C2E71-1E71-4AA1-B2D0-7F1C8199F300}" type="datetimeFigureOut">
               <a:rPr lang="en-US" smtClean="0"/>
-              <a:t>6/19/2022</a:t>
+              <a:t>7/16/2022</a:t>
             </a:fld>
             <a:endParaRPr lang="en-US"/>
           </a:p>
@@ -2904,7 +2909,7 @@
           <a:p>
             <a:fld id="{CD2C2E71-1E71-4AA1-B2D0-7F1C8199F300}" type="datetimeFigureOut">
               <a:rPr lang="en-US" smtClean="0"/>
-              <a:t>6/19/2022</a:t>
+              <a:t>7/16/2022</a:t>
             </a:fld>
             <a:endParaRPr lang="en-US"/>
           </a:p>
@@ -3520,7 +3525,7 @@
         <p:spPr>
           <a:xfrm>
             <a:off x="3831566" y="1646104"/>
-            <a:ext cx="3286665" cy="307777"/>
+            <a:ext cx="4325133" cy="307777"/>
           </a:xfrm>
           <a:prstGeom prst="rect">
             <a:avLst/>
@@ -3576,90 +3581,7 @@
                 <a:latin typeface="Times New Roman" panose="02020603050405020304" pitchFamily="18" charset="0"/>
                 <a:cs typeface="Times New Roman" panose="02020603050405020304" pitchFamily="18" charset="0"/>
               </a:rPr>
-              <a:t>SubjectID</a:t>
-            </a:r>
-            <a:r>
-              <a:rPr lang="en-GB" sz="1400" dirty="0">
-                <a:latin typeface="Times New Roman" panose="02020603050405020304" pitchFamily="18" charset="0"/>
-                <a:cs typeface="Times New Roman" panose="02020603050405020304" pitchFamily="18" charset="0"/>
-              </a:rPr>
-              <a:t>)</a:t>
-            </a:r>
-            <a:endParaRPr lang="en-US" sz="1400" dirty="0">
-              <a:latin typeface="Times New Roman" panose="02020603050405020304" pitchFamily="18" charset="0"/>
-              <a:cs typeface="Times New Roman" panose="02020603050405020304" pitchFamily="18" charset="0"/>
-            </a:endParaRPr>
-          </a:p>
-        </p:txBody>
-      </p:sp>
-      <p:sp>
-        <p:nvSpPr>
-          <p:cNvPr id="10" name="TextBox 9">
-            <a:extLst>
-              <a:ext uri="{FF2B5EF4-FFF2-40B4-BE49-F238E27FC236}">
-                <a16:creationId xmlns:a16="http://schemas.microsoft.com/office/drawing/2014/main" id="{DBB1EAC7-C5D1-414D-2534-28039AD8555A}"/>
-              </a:ext>
-            </a:extLst>
-          </p:cNvPr>
-          <p:cNvSpPr txBox="1"/>
-          <p:nvPr/>
-        </p:nvSpPr>
-        <p:spPr>
-          <a:xfrm>
-            <a:off x="5474898" y="2268998"/>
-            <a:ext cx="3286665" cy="307777"/>
-          </a:xfrm>
-          <a:prstGeom prst="rect">
-            <a:avLst/>
-          </a:prstGeom>
-          <a:noFill/>
-        </p:spPr>
-        <p:txBody>
-          <a:bodyPr wrap="square">
-            <a:spAutoFit/>
-          </a:bodyPr>
-          <a:lstStyle/>
-          <a:p>
-            <a:r>
-              <a:rPr lang="en-GB" sz="1400" dirty="0" err="1">
-                <a:latin typeface="Times New Roman" panose="02020603050405020304" pitchFamily="18" charset="0"/>
-                <a:cs typeface="Times New Roman" panose="02020603050405020304" pitchFamily="18" charset="0"/>
-              </a:rPr>
-              <a:t>Group_Session</a:t>
-            </a:r>
-            <a:r>
-              <a:rPr lang="en-GB" sz="1400" dirty="0">
-                <a:latin typeface="Times New Roman" panose="02020603050405020304" pitchFamily="18" charset="0"/>
-                <a:cs typeface="Times New Roman" panose="02020603050405020304" pitchFamily="18" charset="0"/>
-              </a:rPr>
-              <a:t>(</a:t>
-            </a:r>
-            <a:r>
-              <a:rPr lang="en-GB" sz="1400" b="1" u="sng" dirty="0" err="1">
-                <a:solidFill>
-                  <a:srgbClr val="00B050"/>
-                </a:solidFill>
-                <a:latin typeface="Times New Roman" panose="02020603050405020304" pitchFamily="18" charset="0"/>
-                <a:cs typeface="Times New Roman" panose="02020603050405020304" pitchFamily="18" charset="0"/>
-              </a:rPr>
-              <a:t>GroupID</a:t>
-            </a:r>
-            <a:r>
-              <a:rPr lang="en-GB" sz="1400" dirty="0">
-                <a:latin typeface="Times New Roman" panose="02020603050405020304" pitchFamily="18" charset="0"/>
-                <a:cs typeface="Times New Roman" panose="02020603050405020304" pitchFamily="18" charset="0"/>
-              </a:rPr>
-              <a:t>, </a:t>
-            </a:r>
-            <a:r>
-              <a:rPr lang="en-GB" sz="1400" b="1" u="sng" dirty="0" err="1">
-                <a:solidFill>
-                  <a:srgbClr val="7030A0"/>
-                </a:solidFill>
-                <a:latin typeface="Times New Roman" panose="02020603050405020304" pitchFamily="18" charset="0"/>
-                <a:cs typeface="Times New Roman" panose="02020603050405020304" pitchFamily="18" charset="0"/>
-              </a:rPr>
-              <a:t>SessionID</a:t>
+              <a:t>SubjectID,Semester</a:t>
             </a:r>
             <a:r>
               <a:rPr lang="en-GB" sz="1400" dirty="0">
@@ -4114,138 +4036,6 @@
       </p:grpSp>
       <p:grpSp>
         <p:nvGrpSpPr>
-          <p:cNvPr id="33" name="Group 32">
-            <a:extLst>
-              <a:ext uri="{FF2B5EF4-FFF2-40B4-BE49-F238E27FC236}">
-                <a16:creationId xmlns:a16="http://schemas.microsoft.com/office/drawing/2014/main" id="{A89C43BF-F3A5-2DF6-E2AE-DBA049E3F80C}"/>
-              </a:ext>
-            </a:extLst>
-          </p:cNvPr>
-          <p:cNvGrpSpPr/>
-          <p:nvPr/>
-        </p:nvGrpSpPr>
-        <p:grpSpPr>
-          <a:xfrm rot="10800000">
-            <a:off x="7696200" y="2576775"/>
-            <a:ext cx="790322" cy="404078"/>
-            <a:chOff x="1390650" y="619131"/>
-            <a:chExt cx="1657350" cy="404078"/>
-          </a:xfrm>
-        </p:grpSpPr>
-        <p:cxnSp>
-          <p:nvCxnSpPr>
-            <p:cNvPr id="34" name="Straight Connector 33">
-              <a:extLst>
-                <a:ext uri="{FF2B5EF4-FFF2-40B4-BE49-F238E27FC236}">
-                  <a16:creationId xmlns:a16="http://schemas.microsoft.com/office/drawing/2014/main" id="{F869FD40-D4C8-6256-2DFF-309F6B241B5B}"/>
-                </a:ext>
-              </a:extLst>
-            </p:cNvPr>
-            <p:cNvCxnSpPr/>
-            <p:nvPr/>
-          </p:nvCxnSpPr>
-          <p:spPr>
-            <a:xfrm flipV="1">
-              <a:off x="3048000" y="869321"/>
-              <a:ext cx="0" cy="153888"/>
-            </a:xfrm>
-            <a:prstGeom prst="line">
-              <a:avLst/>
-            </a:prstGeom>
-          </p:spPr>
-          <p:style>
-            <a:lnRef idx="3">
-              <a:schemeClr val="dk1"/>
-            </a:lnRef>
-            <a:fillRef idx="0">
-              <a:schemeClr val="dk1"/>
-            </a:fillRef>
-            <a:effectRef idx="2">
-              <a:schemeClr val="dk1"/>
-            </a:effectRef>
-            <a:fontRef idx="minor">
-              <a:schemeClr val="tx1"/>
-            </a:fontRef>
-          </p:style>
-        </p:cxnSp>
-        <p:cxnSp>
-          <p:nvCxnSpPr>
-            <p:cNvPr id="35" name="Straight Connector 34">
-              <a:extLst>
-                <a:ext uri="{FF2B5EF4-FFF2-40B4-BE49-F238E27FC236}">
-                  <a16:creationId xmlns:a16="http://schemas.microsoft.com/office/drawing/2014/main" id="{AF7681D8-9FEA-D606-756A-571668CAD8C7}"/>
-                </a:ext>
-              </a:extLst>
-            </p:cNvPr>
-            <p:cNvCxnSpPr/>
-            <p:nvPr/>
-          </p:nvCxnSpPr>
-          <p:spPr>
-            <a:xfrm flipH="1">
-              <a:off x="1390650" y="869321"/>
-              <a:ext cx="1657350" cy="0"/>
-            </a:xfrm>
-            <a:prstGeom prst="line">
-              <a:avLst/>
-            </a:prstGeom>
-          </p:spPr>
-          <p:style>
-            <a:lnRef idx="3">
-              <a:schemeClr val="dk1"/>
-            </a:lnRef>
-            <a:fillRef idx="0">
-              <a:schemeClr val="dk1"/>
-            </a:fillRef>
-            <a:effectRef idx="2">
-              <a:schemeClr val="dk1"/>
-            </a:effectRef>
-            <a:fontRef idx="minor">
-              <a:schemeClr val="tx1"/>
-            </a:fontRef>
-          </p:style>
-        </p:cxnSp>
-        <p:cxnSp>
-          <p:nvCxnSpPr>
-            <p:cNvPr id="36" name="Straight Arrow Connector 35">
-              <a:extLst>
-                <a:ext uri="{FF2B5EF4-FFF2-40B4-BE49-F238E27FC236}">
-                  <a16:creationId xmlns:a16="http://schemas.microsoft.com/office/drawing/2014/main" id="{4F1D8D5A-1E77-2DC4-4CC7-D3530C502657}"/>
-                </a:ext>
-              </a:extLst>
-            </p:cNvPr>
-            <p:cNvCxnSpPr/>
-            <p:nvPr/>
-          </p:nvCxnSpPr>
-          <p:spPr>
-            <a:xfrm flipV="1">
-              <a:off x="1390650" y="619131"/>
-              <a:ext cx="0" cy="250190"/>
-            </a:xfrm>
-            <a:prstGeom prst="straightConnector1">
-              <a:avLst/>
-            </a:prstGeom>
-            <a:ln>
-              <a:tailEnd type="triangle"/>
-            </a:ln>
-          </p:spPr>
-          <p:style>
-            <a:lnRef idx="3">
-              <a:schemeClr val="dk1"/>
-            </a:lnRef>
-            <a:fillRef idx="0">
-              <a:schemeClr val="dk1"/>
-            </a:fillRef>
-            <a:effectRef idx="2">
-              <a:schemeClr val="dk1"/>
-            </a:effectRef>
-            <a:fontRef idx="minor">
-              <a:schemeClr val="tx1"/>
-            </a:fontRef>
-          </p:style>
-        </p:cxnSp>
-      </p:grpSp>
-      <p:grpSp>
-        <p:nvGrpSpPr>
           <p:cNvPr id="49" name="Group 48">
             <a:extLst>
               <a:ext uri="{FF2B5EF4-FFF2-40B4-BE49-F238E27FC236}">
@@ -4342,138 +4132,6 @@
               <a:extLst>
                 <a:ext uri="{FF2B5EF4-FFF2-40B4-BE49-F238E27FC236}">
                   <a16:creationId xmlns:a16="http://schemas.microsoft.com/office/drawing/2014/main" id="{F8547989-0B30-FCE1-41C3-C7AE95D31135}"/>
-                </a:ext>
-              </a:extLst>
-            </p:cNvPr>
-            <p:cNvCxnSpPr/>
-            <p:nvPr/>
-          </p:nvCxnSpPr>
-          <p:spPr>
-            <a:xfrm>
-              <a:off x="4792980" y="1447800"/>
-              <a:ext cx="0" cy="274320"/>
-            </a:xfrm>
-            <a:prstGeom prst="straightConnector1">
-              <a:avLst/>
-            </a:prstGeom>
-            <a:ln>
-              <a:tailEnd type="triangle"/>
-            </a:ln>
-          </p:spPr>
-          <p:style>
-            <a:lnRef idx="3">
-              <a:schemeClr val="dk1"/>
-            </a:lnRef>
-            <a:fillRef idx="0">
-              <a:schemeClr val="dk1"/>
-            </a:fillRef>
-            <a:effectRef idx="2">
-              <a:schemeClr val="dk1"/>
-            </a:effectRef>
-            <a:fontRef idx="minor">
-              <a:schemeClr val="tx1"/>
-            </a:fontRef>
-          </p:style>
-        </p:cxnSp>
-      </p:grpSp>
-      <p:grpSp>
-        <p:nvGrpSpPr>
-          <p:cNvPr id="50" name="Group 49">
-            <a:extLst>
-              <a:ext uri="{FF2B5EF4-FFF2-40B4-BE49-F238E27FC236}">
-                <a16:creationId xmlns:a16="http://schemas.microsoft.com/office/drawing/2014/main" id="{F20C4652-32BF-7B61-5B73-D443E92ECEBF}"/>
-              </a:ext>
-            </a:extLst>
-          </p:cNvPr>
-          <p:cNvGrpSpPr/>
-          <p:nvPr/>
-        </p:nvGrpSpPr>
-        <p:grpSpPr>
-          <a:xfrm rot="10800000">
-            <a:off x="4792980" y="1939283"/>
-            <a:ext cx="2113900" cy="425799"/>
-            <a:chOff x="3831566" y="1296321"/>
-            <a:chExt cx="961414" cy="425799"/>
-          </a:xfrm>
-        </p:grpSpPr>
-        <p:cxnSp>
-          <p:nvCxnSpPr>
-            <p:cNvPr id="51" name="Straight Connector 50">
-              <a:extLst>
-                <a:ext uri="{FF2B5EF4-FFF2-40B4-BE49-F238E27FC236}">
-                  <a16:creationId xmlns:a16="http://schemas.microsoft.com/office/drawing/2014/main" id="{D34C8210-5BE5-EF52-5365-0FD9EC2E2362}"/>
-                </a:ext>
-              </a:extLst>
-            </p:cNvPr>
-            <p:cNvCxnSpPr/>
-            <p:nvPr/>
-          </p:nvCxnSpPr>
-          <p:spPr>
-            <a:xfrm>
-              <a:off x="3831566" y="1296321"/>
-              <a:ext cx="0" cy="151479"/>
-            </a:xfrm>
-            <a:prstGeom prst="line">
-              <a:avLst/>
-            </a:prstGeom>
-          </p:spPr>
-          <p:style>
-            <a:lnRef idx="3">
-              <a:schemeClr val="dk1"/>
-            </a:lnRef>
-            <a:fillRef idx="0">
-              <a:schemeClr val="dk1"/>
-            </a:fillRef>
-            <a:effectRef idx="2">
-              <a:schemeClr val="dk1"/>
-            </a:effectRef>
-            <a:fontRef idx="minor">
-              <a:schemeClr val="tx1"/>
-            </a:fontRef>
-          </p:style>
-        </p:cxnSp>
-        <p:cxnSp>
-          <p:nvCxnSpPr>
-            <p:cNvPr id="52" name="Straight Connector 51">
-              <a:extLst>
-                <a:ext uri="{FF2B5EF4-FFF2-40B4-BE49-F238E27FC236}">
-                  <a16:creationId xmlns:a16="http://schemas.microsoft.com/office/drawing/2014/main" id="{B890CCE0-8F88-B393-B3F1-D5743779FC1A}"/>
-                </a:ext>
-              </a:extLst>
-            </p:cNvPr>
-            <p:cNvCxnSpPr/>
-            <p:nvPr/>
-          </p:nvCxnSpPr>
-          <p:spPr>
-            <a:xfrm>
-              <a:off x="3831566" y="1447800"/>
-              <a:ext cx="961414" cy="0"/>
-            </a:xfrm>
-            <a:prstGeom prst="line">
-              <a:avLst/>
-            </a:prstGeom>
-          </p:spPr>
-          <p:style>
-            <a:lnRef idx="3">
-              <a:schemeClr val="dk1"/>
-            </a:lnRef>
-            <a:fillRef idx="0">
-              <a:schemeClr val="dk1"/>
-            </a:fillRef>
-            <a:effectRef idx="2">
-              <a:schemeClr val="dk1"/>
-            </a:effectRef>
-            <a:fontRef idx="minor">
-              <a:schemeClr val="tx1"/>
-            </a:fontRef>
-          </p:style>
-        </p:cxnSp>
-        <p:cxnSp>
-          <p:nvCxnSpPr>
-            <p:cNvPr id="53" name="Straight Arrow Connector 52">
-              <a:extLst>
-                <a:ext uri="{FF2B5EF4-FFF2-40B4-BE49-F238E27FC236}">
-                  <a16:creationId xmlns:a16="http://schemas.microsoft.com/office/drawing/2014/main" id="{1A5FF531-381A-4000-6901-5992C467D05B}"/>
                 </a:ext>
               </a:extLst>
             </p:cNvPr>
@@ -5294,10 +4952,10 @@
       </p:grpSp>
       <p:sp>
         <p:nvSpPr>
-          <p:cNvPr id="98" name="TextBox 97">
-            <a:extLst>
-              <a:ext uri="{FF2B5EF4-FFF2-40B4-BE49-F238E27FC236}">
-                <a16:creationId xmlns:a16="http://schemas.microsoft.com/office/drawing/2014/main" id="{E409738D-4FCE-E94C-6169-09802FA96325}"/>
+          <p:cNvPr id="100" name="TextBox 99">
+            <a:extLst>
+              <a:ext uri="{FF2B5EF4-FFF2-40B4-BE49-F238E27FC236}">
+                <a16:creationId xmlns:a16="http://schemas.microsoft.com/office/drawing/2014/main" id="{EBF0E6DF-2CBB-594B-92A3-A24967C90C2C}"/>
               </a:ext>
             </a:extLst>
           </p:cNvPr>
@@ -5306,177 +4964,7 @@
         </p:nvSpPr>
         <p:spPr>
           <a:xfrm>
-            <a:off x="200564" y="4150844"/>
-            <a:ext cx="2778856" cy="954107"/>
-          </a:xfrm>
-          <a:prstGeom prst="rect">
-            <a:avLst/>
-          </a:prstGeom>
-          <a:noFill/>
-        </p:spPr>
-        <p:txBody>
-          <a:bodyPr wrap="square">
-            <a:spAutoFit/>
-          </a:bodyPr>
-          <a:lstStyle/>
-          <a:p>
-            <a:r>
-              <a:rPr lang="en-GB" sz="1400" dirty="0" err="1">
-                <a:latin typeface="Times New Roman" panose="02020603050405020304" pitchFamily="18" charset="0"/>
-                <a:cs typeface="Times New Roman" panose="02020603050405020304" pitchFamily="18" charset="0"/>
-              </a:rPr>
-              <a:t>MarkResult</a:t>
-            </a:r>
-            <a:r>
-              <a:rPr lang="en-GB" sz="1400" dirty="0">
-                <a:latin typeface="Times New Roman" panose="02020603050405020304" pitchFamily="18" charset="0"/>
-                <a:cs typeface="Times New Roman" panose="02020603050405020304" pitchFamily="18" charset="0"/>
-              </a:rPr>
-              <a:t>(</a:t>
-            </a:r>
-            <a:r>
-              <a:rPr lang="en-GB" sz="1400" b="1" u="sng" dirty="0" err="1">
-                <a:solidFill>
-                  <a:srgbClr val="FF0000"/>
-                </a:solidFill>
-                <a:latin typeface="Times New Roman" panose="02020603050405020304" pitchFamily="18" charset="0"/>
-                <a:cs typeface="Times New Roman" panose="02020603050405020304" pitchFamily="18" charset="0"/>
-              </a:rPr>
-              <a:t>StudentID</a:t>
-            </a:r>
-            <a:r>
-              <a:rPr lang="en-GB" sz="1400" dirty="0">
-                <a:latin typeface="Times New Roman" panose="02020603050405020304" pitchFamily="18" charset="0"/>
-                <a:cs typeface="Times New Roman" panose="02020603050405020304" pitchFamily="18" charset="0"/>
-              </a:rPr>
-              <a:t>, </a:t>
-            </a:r>
-            <a:r>
-              <a:rPr lang="en-GB" sz="1400" b="1" u="sng" dirty="0" err="1">
-                <a:solidFill>
-                  <a:schemeClr val="accent4">
-                    <a:lumMod val="75000"/>
-                  </a:schemeClr>
-                </a:solidFill>
-                <a:latin typeface="Times New Roman" panose="02020603050405020304" pitchFamily="18" charset="0"/>
-                <a:cs typeface="Times New Roman" panose="02020603050405020304" pitchFamily="18" charset="0"/>
-              </a:rPr>
-              <a:t>SubjectID</a:t>
-            </a:r>
-            <a:r>
-              <a:rPr lang="en-GB" sz="1400" dirty="0">
-                <a:latin typeface="Times New Roman" panose="02020603050405020304" pitchFamily="18" charset="0"/>
-                <a:cs typeface="Times New Roman" panose="02020603050405020304" pitchFamily="18" charset="0"/>
-              </a:rPr>
-              <a:t>, Quiz 1, Quiz 2, Activity, Group Assignment, Group Project, Final Exam)</a:t>
-            </a:r>
-            <a:endParaRPr lang="en-US" sz="1400" dirty="0">
-              <a:latin typeface="Times New Roman" panose="02020603050405020304" pitchFamily="18" charset="0"/>
-              <a:cs typeface="Times New Roman" panose="02020603050405020304" pitchFamily="18" charset="0"/>
-            </a:endParaRPr>
-          </a:p>
-        </p:txBody>
-      </p:sp>
-      <p:sp>
-        <p:nvSpPr>
-          <p:cNvPr id="99" name="TextBox 98">
-            <a:extLst>
-              <a:ext uri="{FF2B5EF4-FFF2-40B4-BE49-F238E27FC236}">
-                <a16:creationId xmlns:a16="http://schemas.microsoft.com/office/drawing/2014/main" id="{35FEBC52-528F-BD6E-9253-D5DB057153E5}"/>
-              </a:ext>
-            </a:extLst>
-          </p:cNvPr>
-          <p:cNvSpPr txBox="1"/>
-          <p:nvPr/>
-        </p:nvSpPr>
-        <p:spPr>
-          <a:xfrm>
-            <a:off x="4293152" y="4136212"/>
-            <a:ext cx="6146248" cy="307777"/>
-          </a:xfrm>
-          <a:prstGeom prst="rect">
-            <a:avLst/>
-          </a:prstGeom>
-          <a:noFill/>
-        </p:spPr>
-        <p:txBody>
-          <a:bodyPr wrap="square">
-            <a:spAutoFit/>
-          </a:bodyPr>
-          <a:lstStyle/>
-          <a:p>
-            <a:r>
-              <a:rPr lang="en-GB" sz="1400" dirty="0" err="1">
-                <a:latin typeface="Times New Roman" panose="02020603050405020304" pitchFamily="18" charset="0"/>
-                <a:cs typeface="Times New Roman" panose="02020603050405020304" pitchFamily="18" charset="0"/>
-              </a:rPr>
-              <a:t>Student_Subject</a:t>
-            </a:r>
-            <a:r>
-              <a:rPr lang="en-GB" sz="1400" dirty="0">
-                <a:latin typeface="Times New Roman" panose="02020603050405020304" pitchFamily="18" charset="0"/>
-                <a:cs typeface="Times New Roman" panose="02020603050405020304" pitchFamily="18" charset="0"/>
-              </a:rPr>
-              <a:t>(</a:t>
-            </a:r>
-            <a:r>
-              <a:rPr lang="en-GB" sz="1400" b="1" u="sng" dirty="0" err="1">
-                <a:solidFill>
-                  <a:srgbClr val="FF0000"/>
-                </a:solidFill>
-                <a:latin typeface="Times New Roman" panose="02020603050405020304" pitchFamily="18" charset="0"/>
-                <a:cs typeface="Times New Roman" panose="02020603050405020304" pitchFamily="18" charset="0"/>
-              </a:rPr>
-              <a:t>StudentID</a:t>
-            </a:r>
-            <a:r>
-              <a:rPr lang="en-GB" sz="1400" dirty="0">
-                <a:latin typeface="Times New Roman" panose="02020603050405020304" pitchFamily="18" charset="0"/>
-                <a:cs typeface="Times New Roman" panose="02020603050405020304" pitchFamily="18" charset="0"/>
-              </a:rPr>
-              <a:t>, </a:t>
-            </a:r>
-            <a:r>
-              <a:rPr lang="en-GB" sz="1400" b="1" u="sng" dirty="0" err="1">
-                <a:solidFill>
-                  <a:schemeClr val="accent4">
-                    <a:lumMod val="75000"/>
-                  </a:schemeClr>
-                </a:solidFill>
-                <a:latin typeface="Times New Roman" panose="02020603050405020304" pitchFamily="18" charset="0"/>
-                <a:cs typeface="Times New Roman" panose="02020603050405020304" pitchFamily="18" charset="0"/>
-              </a:rPr>
-              <a:t>SubjectID</a:t>
-            </a:r>
-            <a:r>
-              <a:rPr lang="en-GB" sz="1400" dirty="0">
-                <a:latin typeface="Times New Roman" panose="02020603050405020304" pitchFamily="18" charset="0"/>
-                <a:cs typeface="Times New Roman" panose="02020603050405020304" pitchFamily="18" charset="0"/>
-              </a:rPr>
-              <a:t>, Semester, STARTDATE, ENDDATE)</a:t>
-            </a:r>
-            <a:endParaRPr lang="en-US" sz="1400" dirty="0">
-              <a:latin typeface="Times New Roman" panose="02020603050405020304" pitchFamily="18" charset="0"/>
-              <a:cs typeface="Times New Roman" panose="02020603050405020304" pitchFamily="18" charset="0"/>
-            </a:endParaRPr>
-          </a:p>
-        </p:txBody>
-      </p:sp>
-      <p:sp>
-        <p:nvSpPr>
-          <p:cNvPr id="100" name="TextBox 99">
-            <a:extLst>
-              <a:ext uri="{FF2B5EF4-FFF2-40B4-BE49-F238E27FC236}">
-                <a16:creationId xmlns:a16="http://schemas.microsoft.com/office/drawing/2014/main" id="{EBF0E6DF-2CBB-594B-92A3-A24967C90C2C}"/>
-              </a:ext>
-            </a:extLst>
-          </p:cNvPr>
-          <p:cNvSpPr txBox="1"/>
-          <p:nvPr/>
-        </p:nvSpPr>
-        <p:spPr>
-          <a:xfrm>
-            <a:off x="2944375" y="5277409"/>
+            <a:off x="5836956" y="5574443"/>
             <a:ext cx="3361929" cy="307777"/>
           </a:xfrm>
           <a:prstGeom prst="rect">
@@ -5539,10 +5027,10 @@
       </p:sp>
       <p:grpSp>
         <p:nvGrpSpPr>
-          <p:cNvPr id="110" name="Group 109">
-            <a:extLst>
-              <a:ext uri="{FF2B5EF4-FFF2-40B4-BE49-F238E27FC236}">
-                <a16:creationId xmlns:a16="http://schemas.microsoft.com/office/drawing/2014/main" id="{0D9FB7C5-90BF-776B-E804-7F851F37D83F}"/>
+          <p:cNvPr id="117" name="Group 116">
+            <a:extLst>
+              <a:ext uri="{FF2B5EF4-FFF2-40B4-BE49-F238E27FC236}">
+                <a16:creationId xmlns:a16="http://schemas.microsoft.com/office/drawing/2014/main" id="{66B38C57-5B30-BF4F-C260-87F44C8343F9}"/>
               </a:ext>
             </a:extLst>
           </p:cNvPr>
@@ -5551,142 +5039,8 @@
         </p:nvGrpSpPr>
         <p:grpSpPr>
           <a:xfrm>
-            <a:off x="1051560" y="619130"/>
-            <a:ext cx="4975860" cy="3531714"/>
-            <a:chOff x="1051560" y="619130"/>
-            <a:chExt cx="4975860" cy="3531714"/>
-          </a:xfrm>
-        </p:grpSpPr>
-        <p:cxnSp>
-          <p:nvCxnSpPr>
-            <p:cNvPr id="102" name="Straight Connector 101">
-              <a:extLst>
-                <a:ext uri="{FF2B5EF4-FFF2-40B4-BE49-F238E27FC236}">
-                  <a16:creationId xmlns:a16="http://schemas.microsoft.com/office/drawing/2014/main" id="{7A3F4BA2-4523-1264-A03A-F04D1429CC9E}"/>
-                </a:ext>
-              </a:extLst>
-            </p:cNvPr>
-            <p:cNvCxnSpPr>
-              <a:cxnSpLocks/>
-            </p:cNvCxnSpPr>
-            <p:nvPr/>
-          </p:nvCxnSpPr>
-          <p:spPr>
-            <a:xfrm flipV="1">
-              <a:off x="6027420" y="3771900"/>
-              <a:ext cx="0" cy="378944"/>
-            </a:xfrm>
-            <a:prstGeom prst="line">
-              <a:avLst/>
-            </a:prstGeom>
-          </p:spPr>
-          <p:style>
-            <a:lnRef idx="3">
-              <a:schemeClr val="dk1"/>
-            </a:lnRef>
-            <a:fillRef idx="0">
-              <a:schemeClr val="dk1"/>
-            </a:fillRef>
-            <a:effectRef idx="2">
-              <a:schemeClr val="dk1"/>
-            </a:effectRef>
-            <a:fontRef idx="minor">
-              <a:schemeClr val="tx1"/>
-            </a:fontRef>
-          </p:style>
-        </p:cxnSp>
-        <p:cxnSp>
-          <p:nvCxnSpPr>
-            <p:cNvPr id="107" name="Straight Connector 106">
-              <a:extLst>
-                <a:ext uri="{FF2B5EF4-FFF2-40B4-BE49-F238E27FC236}">
-                  <a16:creationId xmlns:a16="http://schemas.microsoft.com/office/drawing/2014/main" id="{A620F246-6E41-A668-307A-61526D1E4C78}"/>
-                </a:ext>
-              </a:extLst>
-            </p:cNvPr>
-            <p:cNvCxnSpPr/>
-            <p:nvPr/>
-          </p:nvCxnSpPr>
-          <p:spPr>
-            <a:xfrm flipH="1">
-              <a:off x="1051560" y="3771900"/>
-              <a:ext cx="4975860" cy="0"/>
-            </a:xfrm>
-            <a:prstGeom prst="line">
-              <a:avLst/>
-            </a:prstGeom>
-          </p:spPr>
-          <p:style>
-            <a:lnRef idx="3">
-              <a:schemeClr val="dk1"/>
-            </a:lnRef>
-            <a:fillRef idx="0">
-              <a:schemeClr val="dk1"/>
-            </a:fillRef>
-            <a:effectRef idx="2">
-              <a:schemeClr val="dk1"/>
-            </a:effectRef>
-            <a:fontRef idx="minor">
-              <a:schemeClr val="tx1"/>
-            </a:fontRef>
-          </p:style>
-        </p:cxnSp>
-        <p:cxnSp>
-          <p:nvCxnSpPr>
-            <p:cNvPr id="109" name="Straight Arrow Connector 108">
-              <a:extLst>
-                <a:ext uri="{FF2B5EF4-FFF2-40B4-BE49-F238E27FC236}">
-                  <a16:creationId xmlns:a16="http://schemas.microsoft.com/office/drawing/2014/main" id="{9E8E40FA-BFE1-226D-581B-6327B6644003}"/>
-                </a:ext>
-              </a:extLst>
-            </p:cNvPr>
-            <p:cNvCxnSpPr/>
-            <p:nvPr/>
-          </p:nvCxnSpPr>
-          <p:spPr>
-            <a:xfrm flipV="1">
-              <a:off x="1051560" y="619130"/>
-              <a:ext cx="0" cy="3152770"/>
-            </a:xfrm>
-            <a:prstGeom prst="straightConnector1">
-              <a:avLst/>
-            </a:prstGeom>
-            <a:ln>
-              <a:tailEnd type="triangle"/>
-            </a:ln>
-          </p:spPr>
-          <p:style>
-            <a:lnRef idx="3">
-              <a:schemeClr val="dk1"/>
-            </a:lnRef>
-            <a:fillRef idx="0">
-              <a:schemeClr val="dk1"/>
-            </a:fillRef>
-            <a:effectRef idx="2">
-              <a:schemeClr val="dk1"/>
-            </a:effectRef>
-            <a:fontRef idx="minor">
-              <a:schemeClr val="tx1"/>
-            </a:fontRef>
-          </p:style>
-        </p:cxnSp>
-      </p:grpSp>
-      <p:grpSp>
-        <p:nvGrpSpPr>
-          <p:cNvPr id="117" name="Group 116">
-            <a:extLst>
-              <a:ext uri="{FF2B5EF4-FFF2-40B4-BE49-F238E27FC236}">
-                <a16:creationId xmlns:a16="http://schemas.microsoft.com/office/drawing/2014/main" id="{66B38C57-5B30-BF4F-C260-87F44C8343F9}"/>
-              </a:ext>
-            </a:extLst>
-          </p:cNvPr>
-          <p:cNvGrpSpPr/>
-          <p:nvPr/>
-        </p:nvGrpSpPr>
-        <p:grpSpPr>
-          <a:xfrm>
-            <a:off x="830580" y="619130"/>
-            <a:ext cx="560070" cy="3531714"/>
+            <a:off x="830579" y="619130"/>
+            <a:ext cx="1297845" cy="3531714"/>
             <a:chOff x="830580" y="619130"/>
             <a:chExt cx="560070" cy="3531714"/>
           </a:xfrm>
@@ -5803,12 +5157,248 @@
           </p:style>
         </p:cxnSp>
       </p:grpSp>
+      <p:sp>
+        <p:nvSpPr>
+          <p:cNvPr id="67" name="TextBox 66">
+            <a:extLst>
+              <a:ext uri="{FF2B5EF4-FFF2-40B4-BE49-F238E27FC236}">
+                <a16:creationId xmlns:a16="http://schemas.microsoft.com/office/drawing/2014/main" id="{EF7A2516-EDB8-9A78-C263-B199AAAE6AAB}"/>
+              </a:ext>
+            </a:extLst>
+          </p:cNvPr>
+          <p:cNvSpPr txBox="1"/>
+          <p:nvPr/>
+        </p:nvSpPr>
+        <p:spPr>
+          <a:xfrm>
+            <a:off x="5029525" y="2361452"/>
+            <a:ext cx="3286665" cy="307777"/>
+          </a:xfrm>
+          <a:prstGeom prst="rect">
+            <a:avLst/>
+          </a:prstGeom>
+          <a:noFill/>
+        </p:spPr>
+        <p:txBody>
+          <a:bodyPr wrap="square">
+            <a:spAutoFit/>
+          </a:bodyPr>
+          <a:lstStyle/>
+          <a:p>
+            <a:r>
+              <a:rPr lang="en-GB" sz="1400" dirty="0">
+                <a:latin typeface="Times New Roman" panose="02020603050405020304" pitchFamily="18" charset="0"/>
+                <a:cs typeface="Times New Roman" panose="02020603050405020304" pitchFamily="18" charset="0"/>
+              </a:rPr>
+              <a:t>Semester(</a:t>
+            </a:r>
+            <a:r>
+              <a:rPr lang="en-GB" sz="1400" b="1" u="sng" dirty="0" err="1">
+                <a:solidFill>
+                  <a:srgbClr val="FFC000"/>
+                </a:solidFill>
+                <a:latin typeface="Times New Roman" panose="02020603050405020304" pitchFamily="18" charset="0"/>
+                <a:cs typeface="Times New Roman" panose="02020603050405020304" pitchFamily="18" charset="0"/>
+              </a:rPr>
+              <a:t>Semester</a:t>
+            </a:r>
+            <a:r>
+              <a:rPr lang="en-GB" sz="1400" dirty="0" err="1">
+                <a:latin typeface="Times New Roman" panose="02020603050405020304" pitchFamily="18" charset="0"/>
+                <a:cs typeface="Times New Roman" panose="02020603050405020304" pitchFamily="18" charset="0"/>
+              </a:rPr>
+              <a:t>,Start,End</a:t>
+            </a:r>
+            <a:r>
+              <a:rPr lang="en-GB" sz="1400" dirty="0">
+                <a:latin typeface="Times New Roman" panose="02020603050405020304" pitchFamily="18" charset="0"/>
+                <a:cs typeface="Times New Roman" panose="02020603050405020304" pitchFamily="18" charset="0"/>
+              </a:rPr>
+              <a:t>)</a:t>
+            </a:r>
+            <a:endParaRPr lang="en-US" sz="1400" dirty="0">
+              <a:latin typeface="Times New Roman" panose="02020603050405020304" pitchFamily="18" charset="0"/>
+              <a:cs typeface="Times New Roman" panose="02020603050405020304" pitchFamily="18" charset="0"/>
+            </a:endParaRPr>
+          </a:p>
+        </p:txBody>
+      </p:sp>
+      <p:sp>
+        <p:nvSpPr>
+          <p:cNvPr id="69" name="TextBox 68">
+            <a:extLst>
+              <a:ext uri="{FF2B5EF4-FFF2-40B4-BE49-F238E27FC236}">
+                <a16:creationId xmlns:a16="http://schemas.microsoft.com/office/drawing/2014/main" id="{8AD2B441-3AEE-C5BE-8424-7AE5A889A063}"/>
+              </a:ext>
+            </a:extLst>
+          </p:cNvPr>
+          <p:cNvSpPr txBox="1"/>
+          <p:nvPr/>
+        </p:nvSpPr>
+        <p:spPr>
+          <a:xfrm>
+            <a:off x="2930108" y="4848838"/>
+            <a:ext cx="4188123" cy="307777"/>
+          </a:xfrm>
+          <a:prstGeom prst="rect">
+            <a:avLst/>
+          </a:prstGeom>
+          <a:noFill/>
+        </p:spPr>
+        <p:txBody>
+          <a:bodyPr wrap="square">
+            <a:spAutoFit/>
+          </a:bodyPr>
+          <a:lstStyle/>
+          <a:p>
+            <a:r>
+              <a:rPr lang="en-GB" sz="1400" dirty="0">
+                <a:latin typeface="Times New Roman" panose="02020603050405020304" pitchFamily="18" charset="0"/>
+                <a:cs typeface="Times New Roman" panose="02020603050405020304" pitchFamily="18" charset="0"/>
+              </a:rPr>
+              <a:t>Assessment(</a:t>
+            </a:r>
+            <a:r>
+              <a:rPr lang="en-GB" sz="1400" b="1" u="sng" dirty="0" err="1">
+                <a:solidFill>
+                  <a:schemeClr val="accent3"/>
+                </a:solidFill>
+                <a:latin typeface="Times New Roman" panose="02020603050405020304" pitchFamily="18" charset="0"/>
+                <a:cs typeface="Times New Roman" panose="02020603050405020304" pitchFamily="18" charset="0"/>
+              </a:rPr>
+              <a:t>AssessmentID</a:t>
+            </a:r>
+            <a:r>
+              <a:rPr lang="en-GB" sz="1400" dirty="0" err="1">
+                <a:latin typeface="Times New Roman" panose="02020603050405020304" pitchFamily="18" charset="0"/>
+                <a:cs typeface="Times New Roman" panose="02020603050405020304" pitchFamily="18" charset="0"/>
+              </a:rPr>
+              <a:t>,Name,Weight,</a:t>
+            </a:r>
+            <a:r>
+              <a:rPr lang="en-GB" sz="1400" dirty="0" err="1">
+                <a:solidFill>
+                  <a:schemeClr val="accent4">
+                    <a:lumMod val="75000"/>
+                  </a:schemeClr>
+                </a:solidFill>
+                <a:latin typeface="Times New Roman" panose="02020603050405020304" pitchFamily="18" charset="0"/>
+                <a:cs typeface="Times New Roman" panose="02020603050405020304" pitchFamily="18" charset="0"/>
+              </a:rPr>
+              <a:t>SubjectID</a:t>
+            </a:r>
+            <a:r>
+              <a:rPr lang="en-GB" sz="1400" dirty="0">
+                <a:latin typeface="Times New Roman" panose="02020603050405020304" pitchFamily="18" charset="0"/>
+                <a:cs typeface="Times New Roman" panose="02020603050405020304" pitchFamily="18" charset="0"/>
+              </a:rPr>
+              <a:t>)</a:t>
+            </a:r>
+            <a:endParaRPr lang="en-US" sz="1400" dirty="0">
+              <a:latin typeface="Times New Roman" panose="02020603050405020304" pitchFamily="18" charset="0"/>
+              <a:cs typeface="Times New Roman" panose="02020603050405020304" pitchFamily="18" charset="0"/>
+            </a:endParaRPr>
+          </a:p>
+        </p:txBody>
+      </p:sp>
+      <p:sp>
+        <p:nvSpPr>
+          <p:cNvPr id="71" name="TextBox 70">
+            <a:extLst>
+              <a:ext uri="{FF2B5EF4-FFF2-40B4-BE49-F238E27FC236}">
+                <a16:creationId xmlns:a16="http://schemas.microsoft.com/office/drawing/2014/main" id="{CDE2C318-EC3F-A966-8CFB-C6A46A62E946}"/>
+              </a:ext>
+            </a:extLst>
+          </p:cNvPr>
+          <p:cNvSpPr txBox="1"/>
+          <p:nvPr/>
+        </p:nvSpPr>
+        <p:spPr>
+          <a:xfrm>
+            <a:off x="193122" y="4107418"/>
+            <a:ext cx="4714157" cy="307777"/>
+          </a:xfrm>
+          <a:prstGeom prst="rect">
+            <a:avLst/>
+          </a:prstGeom>
+          <a:noFill/>
+        </p:spPr>
+        <p:txBody>
+          <a:bodyPr wrap="square">
+            <a:spAutoFit/>
+          </a:bodyPr>
+          <a:lstStyle/>
+          <a:p>
+            <a:r>
+              <a:rPr lang="en-GB" sz="1400" dirty="0" err="1">
+                <a:latin typeface="Times New Roman" panose="02020603050405020304" pitchFamily="18" charset="0"/>
+                <a:cs typeface="Times New Roman" panose="02020603050405020304" pitchFamily="18" charset="0"/>
+              </a:rPr>
+              <a:t>Assessment_Student</a:t>
+            </a:r>
+            <a:r>
+              <a:rPr lang="en-GB" sz="1400" dirty="0">
+                <a:latin typeface="Times New Roman" panose="02020603050405020304" pitchFamily="18" charset="0"/>
+                <a:cs typeface="Times New Roman" panose="02020603050405020304" pitchFamily="18" charset="0"/>
+              </a:rPr>
+              <a:t>(</a:t>
+            </a:r>
+            <a:r>
+              <a:rPr lang="en-GB" sz="1400" b="1" u="sng" dirty="0" err="1">
+                <a:solidFill>
+                  <a:srgbClr val="FF0000"/>
+                </a:solidFill>
+                <a:latin typeface="Times New Roman" panose="02020603050405020304" pitchFamily="18" charset="0"/>
+                <a:cs typeface="Times New Roman" panose="02020603050405020304" pitchFamily="18" charset="0"/>
+              </a:rPr>
+              <a:t>StudentID</a:t>
+            </a:r>
+            <a:r>
+              <a:rPr lang="en-GB" sz="1400" dirty="0" err="1">
+                <a:latin typeface="Times New Roman" panose="02020603050405020304" pitchFamily="18" charset="0"/>
+                <a:cs typeface="Times New Roman" panose="02020603050405020304" pitchFamily="18" charset="0"/>
+              </a:rPr>
+              <a:t>,</a:t>
+            </a:r>
+            <a:r>
+              <a:rPr lang="en-GB" sz="1400" b="1" u="sng" dirty="0" err="1">
+                <a:solidFill>
+                  <a:schemeClr val="bg2">
+                    <a:lumMod val="75000"/>
+                  </a:schemeClr>
+                </a:solidFill>
+                <a:latin typeface="Times New Roman" panose="02020603050405020304" pitchFamily="18" charset="0"/>
+                <a:cs typeface="Times New Roman" panose="02020603050405020304" pitchFamily="18" charset="0"/>
+              </a:rPr>
+              <a:t>AssessmentID</a:t>
+            </a:r>
+            <a:r>
+              <a:rPr lang="en-GB" sz="1400" dirty="0" err="1">
+                <a:latin typeface="Times New Roman" panose="02020603050405020304" pitchFamily="18" charset="0"/>
+                <a:cs typeface="Times New Roman" panose="02020603050405020304" pitchFamily="18" charset="0"/>
+              </a:rPr>
+              <a:t>,Date,Score</a:t>
+            </a:r>
+            <a:r>
+              <a:rPr lang="en-GB" sz="1400" dirty="0">
+                <a:latin typeface="Times New Roman" panose="02020603050405020304" pitchFamily="18" charset="0"/>
+                <a:cs typeface="Times New Roman" panose="02020603050405020304" pitchFamily="18" charset="0"/>
+              </a:rPr>
+              <a:t>)</a:t>
+            </a:r>
+            <a:endParaRPr lang="en-US" sz="1400" dirty="0">
+              <a:latin typeface="Times New Roman" panose="02020603050405020304" pitchFamily="18" charset="0"/>
+              <a:cs typeface="Times New Roman" panose="02020603050405020304" pitchFamily="18" charset="0"/>
+            </a:endParaRPr>
+          </a:p>
+        </p:txBody>
+      </p:sp>
       <p:grpSp>
         <p:nvGrpSpPr>
-          <p:cNvPr id="118" name="Group 117">
-            <a:extLst>
-              <a:ext uri="{FF2B5EF4-FFF2-40B4-BE49-F238E27FC236}">
-                <a16:creationId xmlns:a16="http://schemas.microsoft.com/office/drawing/2014/main" id="{623E6951-93DF-61B0-A5C4-B6AB1871E853}"/>
+          <p:cNvPr id="19" name="Group 18">
+            <a:extLst>
+              <a:ext uri="{FF2B5EF4-FFF2-40B4-BE49-F238E27FC236}">
+                <a16:creationId xmlns:a16="http://schemas.microsoft.com/office/drawing/2014/main" id="{33C19FFF-853A-B359-5AF0-9FB4C64BCC12}"/>
               </a:ext>
             </a:extLst>
           </p:cNvPr>
@@ -5816,29 +5406,31 @@
           <p:nvPr/>
         </p:nvGrpSpPr>
         <p:grpSpPr>
-          <a:xfrm rot="10800000">
-            <a:off x="2735472" y="4467004"/>
-            <a:ext cx="1096094" cy="810404"/>
-            <a:chOff x="1390650" y="619131"/>
-            <a:chExt cx="1657350" cy="404078"/>
+          <a:xfrm>
+            <a:off x="3272285" y="4386472"/>
+            <a:ext cx="1109933" cy="530585"/>
+            <a:chOff x="3272285" y="4386472"/>
+            <a:chExt cx="1109933" cy="530585"/>
           </a:xfrm>
         </p:grpSpPr>
         <p:cxnSp>
           <p:nvCxnSpPr>
-            <p:cNvPr id="119" name="Straight Connector 118">
+            <p:cNvPr id="5" name="Straight Connector 4">
               <a:extLst>
                 <a:ext uri="{FF2B5EF4-FFF2-40B4-BE49-F238E27FC236}">
-                  <a16:creationId xmlns:a16="http://schemas.microsoft.com/office/drawing/2014/main" id="{EFF1BDB8-DA1D-BF73-AD86-1B5E722E4DF7}"/>
+                  <a16:creationId xmlns:a16="http://schemas.microsoft.com/office/drawing/2014/main" id="{2187991B-77AD-9702-30BF-A59C9BB78875}"/>
                 </a:ext>
               </a:extLst>
             </p:cNvPr>
-            <p:cNvCxnSpPr/>
+            <p:cNvCxnSpPr>
+              <a:cxnSpLocks/>
+            </p:cNvCxnSpPr>
             <p:nvPr/>
           </p:nvCxnSpPr>
           <p:spPr>
-            <a:xfrm flipV="1">
-              <a:off x="3048000" y="869321"/>
-              <a:ext cx="0" cy="153888"/>
+            <a:xfrm>
+              <a:off x="3272285" y="4386472"/>
+              <a:ext cx="0" cy="220034"/>
             </a:xfrm>
             <a:prstGeom prst="line">
               <a:avLst/>
@@ -5861,10 +5453,10 @@
         </p:cxnSp>
         <p:cxnSp>
           <p:nvCxnSpPr>
-            <p:cNvPr id="120" name="Straight Connector 119">
+            <p:cNvPr id="15" name="Straight Connector 14">
               <a:extLst>
                 <a:ext uri="{FF2B5EF4-FFF2-40B4-BE49-F238E27FC236}">
-                  <a16:creationId xmlns:a16="http://schemas.microsoft.com/office/drawing/2014/main" id="{F3806A93-3F1B-6AE1-381C-39078CCBF876}"/>
+                  <a16:creationId xmlns:a16="http://schemas.microsoft.com/office/drawing/2014/main" id="{2ECCD99F-43FE-F9FC-38C0-90CF66800CFF}"/>
                 </a:ext>
               </a:extLst>
             </p:cNvPr>
@@ -5872,9 +5464,9 @@
             <p:nvPr/>
           </p:nvCxnSpPr>
           <p:spPr>
-            <a:xfrm flipH="1">
-              <a:off x="1390650" y="869321"/>
-              <a:ext cx="1657350" cy="0"/>
+            <a:xfrm>
+              <a:off x="3272285" y="4606506"/>
+              <a:ext cx="1109933" cy="0"/>
             </a:xfrm>
             <a:prstGeom prst="line">
               <a:avLst/>
@@ -5897,10 +5489,10 @@
         </p:cxnSp>
         <p:cxnSp>
           <p:nvCxnSpPr>
-            <p:cNvPr id="121" name="Straight Arrow Connector 120">
+            <p:cNvPr id="17" name="Straight Arrow Connector 16">
               <a:extLst>
                 <a:ext uri="{FF2B5EF4-FFF2-40B4-BE49-F238E27FC236}">
-                  <a16:creationId xmlns:a16="http://schemas.microsoft.com/office/drawing/2014/main" id="{CB9CFAA4-F52B-56D1-A160-D7B3027AF38E}"/>
+                  <a16:creationId xmlns:a16="http://schemas.microsoft.com/office/drawing/2014/main" id="{7349B42C-2C41-51CA-B645-8A07A4675064}"/>
                 </a:ext>
               </a:extLst>
             </p:cNvPr>
@@ -5908,9 +5500,9 @@
             <p:nvPr/>
           </p:nvCxnSpPr>
           <p:spPr>
-            <a:xfrm flipV="1">
-              <a:off x="1390650" y="619131"/>
-              <a:ext cx="0" cy="250190"/>
+            <a:xfrm>
+              <a:off x="4382218" y="4597879"/>
+              <a:ext cx="0" cy="319178"/>
             </a:xfrm>
             <a:prstGeom prst="straightConnector1">
               <a:avLst/>
@@ -5935,12 +5527,51 @@
           </p:style>
         </p:cxnSp>
       </p:grpSp>
+      <p:cxnSp>
+        <p:nvCxnSpPr>
+          <p:cNvPr id="21" name="Straight Arrow Connector 20">
+            <a:extLst>
+              <a:ext uri="{FF2B5EF4-FFF2-40B4-BE49-F238E27FC236}">
+                <a16:creationId xmlns:a16="http://schemas.microsoft.com/office/drawing/2014/main" id="{3616D98B-B225-B59F-3D66-20C391A30C5C}"/>
+              </a:ext>
+            </a:extLst>
+          </p:cNvPr>
+          <p:cNvCxnSpPr/>
+          <p:nvPr/>
+        </p:nvCxnSpPr>
+        <p:spPr>
+          <a:xfrm>
+            <a:off x="6616460" y="5156615"/>
+            <a:ext cx="0" cy="485060"/>
+          </a:xfrm>
+          <a:prstGeom prst="straightConnector1">
+            <a:avLst/>
+          </a:prstGeom>
+          <a:ln>
+            <a:tailEnd type="triangle"/>
+          </a:ln>
+        </p:spPr>
+        <p:style>
+          <a:lnRef idx="3">
+            <a:schemeClr val="dk1"/>
+          </a:lnRef>
+          <a:fillRef idx="0">
+            <a:schemeClr val="dk1"/>
+          </a:fillRef>
+          <a:effectRef idx="2">
+            <a:schemeClr val="dk1"/>
+          </a:effectRef>
+          <a:fontRef idx="minor">
+            <a:schemeClr val="tx1"/>
+          </a:fontRef>
+        </p:style>
+      </p:cxnSp>
       <p:grpSp>
         <p:nvGrpSpPr>
-          <p:cNvPr id="122" name="Group 121">
-            <a:extLst>
-              <a:ext uri="{FF2B5EF4-FFF2-40B4-BE49-F238E27FC236}">
-                <a16:creationId xmlns:a16="http://schemas.microsoft.com/office/drawing/2014/main" id="{6B4C14B5-390D-152D-FAD3-D87D2729303B}"/>
+          <p:cNvPr id="37" name="Group 36">
+            <a:extLst>
+              <a:ext uri="{FF2B5EF4-FFF2-40B4-BE49-F238E27FC236}">
+                <a16:creationId xmlns:a16="http://schemas.microsoft.com/office/drawing/2014/main" id="{80827A7C-CAAD-37D6-AD4F-8ABE62032225}"/>
               </a:ext>
             </a:extLst>
           </p:cNvPr>
@@ -5949,18 +5580,18 @@
         </p:nvGrpSpPr>
         <p:grpSpPr>
           <a:xfrm>
-            <a:off x="4201646" y="4492294"/>
-            <a:ext cx="2705233" cy="792877"/>
-            <a:chOff x="4907280" y="1177098"/>
-            <a:chExt cx="3009900" cy="545022"/>
+            <a:off x="6254151" y="1918868"/>
+            <a:ext cx="966158" cy="510994"/>
+            <a:chOff x="6254151" y="1918868"/>
+            <a:chExt cx="966158" cy="510994"/>
           </a:xfrm>
         </p:grpSpPr>
         <p:cxnSp>
           <p:nvCxnSpPr>
-            <p:cNvPr id="123" name="Straight Connector 122">
+            <p:cNvPr id="23" name="Straight Connector 22">
               <a:extLst>
                 <a:ext uri="{FF2B5EF4-FFF2-40B4-BE49-F238E27FC236}">
-                  <a16:creationId xmlns:a16="http://schemas.microsoft.com/office/drawing/2014/main" id="{B33058B8-F52E-E4EF-366C-6EA8887C1F47}"/>
+                  <a16:creationId xmlns:a16="http://schemas.microsoft.com/office/drawing/2014/main" id="{B3457A4F-A00C-1C80-FC3E-AB03E7D4B29D}"/>
                 </a:ext>
               </a:extLst>
             </p:cNvPr>
@@ -5969,8 +5600,8 @@
           </p:nvCxnSpPr>
           <p:spPr>
             <a:xfrm>
-              <a:off x="7917180" y="1177098"/>
-              <a:ext cx="0" cy="270702"/>
+              <a:off x="7220309" y="1918868"/>
+              <a:ext cx="0" cy="197939"/>
             </a:xfrm>
             <a:prstGeom prst="line">
               <a:avLst/>
@@ -5993,20 +5624,22 @@
         </p:cxnSp>
         <p:cxnSp>
           <p:nvCxnSpPr>
-            <p:cNvPr id="124" name="Straight Connector 123">
+            <p:cNvPr id="25" name="Straight Connector 24">
               <a:extLst>
                 <a:ext uri="{FF2B5EF4-FFF2-40B4-BE49-F238E27FC236}">
-                  <a16:creationId xmlns:a16="http://schemas.microsoft.com/office/drawing/2014/main" id="{F81C3F0B-A2A8-9EAE-2357-237F57F3C820}"/>
+                  <a16:creationId xmlns:a16="http://schemas.microsoft.com/office/drawing/2014/main" id="{1E9028BE-07BB-FB12-8206-9657C9DA0513}"/>
                 </a:ext>
               </a:extLst>
             </p:cNvPr>
-            <p:cNvCxnSpPr/>
+            <p:cNvCxnSpPr>
+              <a:cxnSpLocks/>
+            </p:cNvCxnSpPr>
             <p:nvPr/>
           </p:nvCxnSpPr>
           <p:spPr>
             <a:xfrm flipH="1">
-              <a:off x="4907280" y="1447800"/>
-              <a:ext cx="3009900" cy="0"/>
+              <a:off x="6254151" y="2113472"/>
+              <a:ext cx="957532" cy="0"/>
             </a:xfrm>
             <a:prstGeom prst="line">
               <a:avLst/>
@@ -6029,10 +5662,10 @@
         </p:cxnSp>
         <p:cxnSp>
           <p:nvCxnSpPr>
-            <p:cNvPr id="125" name="Straight Arrow Connector 124">
+            <p:cNvPr id="29" name="Straight Arrow Connector 28">
               <a:extLst>
                 <a:ext uri="{FF2B5EF4-FFF2-40B4-BE49-F238E27FC236}">
-                  <a16:creationId xmlns:a16="http://schemas.microsoft.com/office/drawing/2014/main" id="{FF9AC855-F9EC-1F86-77C5-98416F94607F}"/>
+                  <a16:creationId xmlns:a16="http://schemas.microsoft.com/office/drawing/2014/main" id="{800BEA90-41BE-4FBD-5050-EEF3B7E8FCC4}"/>
                 </a:ext>
               </a:extLst>
             </p:cNvPr>
@@ -6041,8 +5674,8 @@
           </p:nvCxnSpPr>
           <p:spPr>
             <a:xfrm>
-              <a:off x="4907280" y="1447800"/>
-              <a:ext cx="0" cy="274320"/>
+              <a:off x="6254151" y="2116807"/>
+              <a:ext cx="0" cy="313055"/>
             </a:xfrm>
             <a:prstGeom prst="straightConnector1">
               <a:avLst/>
